--- a/lectures/inexactMatching/exercise.pptx
+++ b/lectures/inexactMatching/exercise.pptx
@@ -288,7 +288,7 @@
           <a:p>
             <a:fld id="{4714FD74-9747-974B-87F7-275541BF4647}" type="datetimeFigureOut">
               <a:rPr lang="en-US" smtClean="0"/>
-              <a:t>10/24/13</a:t>
+              <a:t>11/10/14</a:t>
             </a:fld>
             <a:endParaRPr lang="en-US"/>
           </a:p>
@@ -458,7 +458,7 @@
           <a:p>
             <a:fld id="{4714FD74-9747-974B-87F7-275541BF4647}" type="datetimeFigureOut">
               <a:rPr lang="en-US" smtClean="0"/>
-              <a:t>10/24/13</a:t>
+              <a:t>11/10/14</a:t>
             </a:fld>
             <a:endParaRPr lang="en-US"/>
           </a:p>
@@ -638,7 +638,7 @@
           <a:p>
             <a:fld id="{4714FD74-9747-974B-87F7-275541BF4647}" type="datetimeFigureOut">
               <a:rPr lang="en-US" smtClean="0"/>
-              <a:t>10/24/13</a:t>
+              <a:t>11/10/14</a:t>
             </a:fld>
             <a:endParaRPr lang="en-US"/>
           </a:p>
@@ -808,7 +808,7 @@
           <a:p>
             <a:fld id="{4714FD74-9747-974B-87F7-275541BF4647}" type="datetimeFigureOut">
               <a:rPr lang="en-US" smtClean="0"/>
-              <a:t>10/24/13</a:t>
+              <a:t>11/10/14</a:t>
             </a:fld>
             <a:endParaRPr lang="en-US"/>
           </a:p>
@@ -1054,7 +1054,7 @@
           <a:p>
             <a:fld id="{4714FD74-9747-974B-87F7-275541BF4647}" type="datetimeFigureOut">
               <a:rPr lang="en-US" smtClean="0"/>
-              <a:t>10/24/13</a:t>
+              <a:t>11/10/14</a:t>
             </a:fld>
             <a:endParaRPr lang="en-US"/>
           </a:p>
@@ -1342,7 +1342,7 @@
           <a:p>
             <a:fld id="{4714FD74-9747-974B-87F7-275541BF4647}" type="datetimeFigureOut">
               <a:rPr lang="en-US" smtClean="0"/>
-              <a:t>10/24/13</a:t>
+              <a:t>11/10/14</a:t>
             </a:fld>
             <a:endParaRPr lang="en-US"/>
           </a:p>
@@ -1764,7 +1764,7 @@
           <a:p>
             <a:fld id="{4714FD74-9747-974B-87F7-275541BF4647}" type="datetimeFigureOut">
               <a:rPr lang="en-US" smtClean="0"/>
-              <a:t>10/24/13</a:t>
+              <a:t>11/10/14</a:t>
             </a:fld>
             <a:endParaRPr lang="en-US"/>
           </a:p>
@@ -1882,7 +1882,7 @@
           <a:p>
             <a:fld id="{4714FD74-9747-974B-87F7-275541BF4647}" type="datetimeFigureOut">
               <a:rPr lang="en-US" smtClean="0"/>
-              <a:t>10/24/13</a:t>
+              <a:t>11/10/14</a:t>
             </a:fld>
             <a:endParaRPr lang="en-US"/>
           </a:p>
@@ -1977,7 +1977,7 @@
           <a:p>
             <a:fld id="{4714FD74-9747-974B-87F7-275541BF4647}" type="datetimeFigureOut">
               <a:rPr lang="en-US" smtClean="0"/>
-              <a:t>10/24/13</a:t>
+              <a:t>11/10/14</a:t>
             </a:fld>
             <a:endParaRPr lang="en-US"/>
           </a:p>
@@ -2254,7 +2254,7 @@
           <a:p>
             <a:fld id="{4714FD74-9747-974B-87F7-275541BF4647}" type="datetimeFigureOut">
               <a:rPr lang="en-US" smtClean="0"/>
-              <a:t>10/24/13</a:t>
+              <a:t>11/10/14</a:t>
             </a:fld>
             <a:endParaRPr lang="en-US"/>
           </a:p>
@@ -2507,7 +2507,7 @@
           <a:p>
             <a:fld id="{4714FD74-9747-974B-87F7-275541BF4647}" type="datetimeFigureOut">
               <a:rPr lang="en-US" smtClean="0"/>
-              <a:t>10/24/13</a:t>
+              <a:t>11/10/14</a:t>
             </a:fld>
             <a:endParaRPr lang="en-US"/>
           </a:p>
@@ -2720,7 +2720,7 @@
           <a:p>
             <a:fld id="{4714FD74-9747-974B-87F7-275541BF4647}" type="datetimeFigureOut">
               <a:rPr lang="en-US" smtClean="0"/>
-              <a:t>10/24/13</a:t>
+              <a:t>11/10/14</a:t>
             </a:fld>
             <a:endParaRPr lang="en-US"/>
           </a:p>
@@ -3104,7 +3104,7 @@
         <p:spPr>
           <a:xfrm>
             <a:off x="351152" y="462188"/>
-            <a:ext cx="8723574" cy="646331"/>
+            <a:ext cx="8213294" cy="923330"/>
           </a:xfrm>
           <a:prstGeom prst="rect">
             <a:avLst/>
@@ -3123,7 +3123,15 @@
             </a:r>
             <a:r>
               <a:rPr lang="en-US" dirty="0" smtClean="0"/>
-              <a:t>Calculate an optimal (minimal) global alignment for strings </a:t>
+              <a:t>Calculate an </a:t>
+            </a:r>
+            <a:r>
+              <a:rPr lang="en-US" dirty="0" smtClean="0"/>
+              <a:t>optimal </a:t>
+            </a:r>
+            <a:r>
+              <a:rPr lang="en-US" dirty="0" smtClean="0"/>
+              <a:t>global alignment for strings </a:t>
             </a:r>
             <a:r>
               <a:rPr lang="en-US" sz="1600" dirty="0" smtClean="0">
@@ -3146,7 +3154,49 @@
           <a:p>
             <a:r>
               <a:rPr lang="en-US" dirty="0" smtClean="0"/>
-              <a:t>with parameters: match -2, mismatch 1, gap 5. Show DP table and final alignment.</a:t>
+              <a:t>with parameters: match </a:t>
+            </a:r>
+            <a:r>
+              <a:rPr lang="en-US" dirty="0" smtClean="0"/>
+              <a:t>2</a:t>
+            </a:r>
+            <a:r>
+              <a:rPr lang="en-US" dirty="0" smtClean="0"/>
+              <a:t>, mismatch </a:t>
+            </a:r>
+            <a:r>
+              <a:rPr lang="en-US" dirty="0" smtClean="0"/>
+              <a:t>-1</a:t>
+            </a:r>
+            <a:r>
+              <a:rPr lang="en-US" dirty="0" smtClean="0"/>
+              <a:t>, gap </a:t>
+            </a:r>
+            <a:r>
+              <a:rPr lang="en-US" dirty="0" smtClean="0"/>
+              <a:t>-5</a:t>
+            </a:r>
+            <a:r>
+              <a:rPr lang="en-US" dirty="0" smtClean="0"/>
+              <a:t>. Show DP </a:t>
+            </a:r>
+            <a:r>
+              <a:rPr lang="en-US" dirty="0" smtClean="0"/>
+              <a:t>graph (don’t need to fill in </a:t>
+            </a:r>
+          </a:p>
+          <a:p>
+            <a:r>
+              <a:rPr lang="en-US" dirty="0"/>
+              <a:t>c</a:t>
+            </a:r>
+            <a:r>
+              <a:rPr lang="en-US" dirty="0" smtClean="0"/>
+              <a:t>ompletely), indicate path for resulting alignment, and write the final </a:t>
+            </a:r>
+            <a:r>
+              <a:rPr lang="en-US" dirty="0" smtClean="0"/>
+              <a:t>alignment.</a:t>
             </a:r>
             <a:endParaRPr lang="en-US" dirty="0"/>
           </a:p>
@@ -3179,15 +3229,43 @@
             </a:r>
             <a:r>
               <a:rPr lang="en-US" dirty="0" smtClean="0"/>
-              <a:t>Do we get the same answer with mismatch penalty 10? </a:t>
+              <a:t>Would we </a:t>
+            </a:r>
+            <a:r>
+              <a:rPr lang="en-US" dirty="0" smtClean="0"/>
+              <a:t>get the same answer with mismatch penalty </a:t>
+            </a:r>
+            <a:r>
+              <a:rPr lang="en-US" dirty="0" smtClean="0"/>
+              <a:t>-10</a:t>
+            </a:r>
+            <a:r>
+              <a:rPr lang="en-US" dirty="0" smtClean="0"/>
+              <a:t>? </a:t>
             </a:r>
             <a:r>
               <a:rPr lang="en-US" b="1" dirty="0" smtClean="0"/>
-              <a:t>(b) </a:t>
+              <a:t>(b</a:t>
+            </a:r>
+            <a:r>
+              <a:rPr lang="en-US" b="1" smtClean="0"/>
+              <a:t>) </a:t>
+            </a:r>
+            <a:r>
+              <a:rPr lang="en-US" smtClean="0"/>
+              <a:t>Would we </a:t>
             </a:r>
             <a:r>
               <a:rPr lang="en-US" dirty="0" smtClean="0"/>
-              <a:t>Do we get the same answer with mismatch penalty 100? </a:t>
+              <a:t>get the same answer with mismatch penalty </a:t>
+            </a:r>
+            <a:r>
+              <a:rPr lang="en-US" dirty="0" smtClean="0"/>
+              <a:t>-100</a:t>
+            </a:r>
+            <a:r>
+              <a:rPr lang="en-US" dirty="0" smtClean="0"/>
+              <a:t>? </a:t>
             </a:r>
             <a:r>
               <a:rPr lang="en-US" b="1" dirty="0" smtClean="0"/>
@@ -3228,15 +3306,11 @@
             </a:r>
             <a:r>
               <a:rPr lang="en-US" dirty="0" smtClean="0"/>
-              <a:t>Calculate an optimal (</a:t>
-            </a:r>
-            <a:r>
-              <a:rPr lang="en-US" dirty="0" err="1" smtClean="0"/>
-              <a:t>minimial</a:t>
+              <a:t>Calculate an </a:t>
             </a:r>
             <a:r>
               <a:rPr lang="en-US" dirty="0" smtClean="0"/>
-              <a:t>) </a:t>
+              <a:t>optimal </a:t>
             </a:r>
             <a:r>
               <a:rPr lang="en-US" i="1" dirty="0" smtClean="0"/>
@@ -3250,10 +3324,14 @@
           <a:p>
             <a:r>
               <a:rPr lang="en-US" dirty="0" smtClean="0"/>
-              <a:t>Same parameters as Problem 1. Show DP table and </a:t>
-            </a:r>
-            <a:r>
-              <a:rPr lang="en-US" smtClean="0"/>
+              <a:t>Same parameters as Problem 1. Show DP </a:t>
+            </a:r>
+            <a:r>
+              <a:rPr lang="en-US" dirty="0" smtClean="0"/>
+              <a:t>graph and </a:t>
+            </a:r>
+            <a:r>
+              <a:rPr lang="en-US" dirty="0" smtClean="0"/>
               <a:t>final alignment.</a:t>
             </a:r>
             <a:endParaRPr lang="en-US" dirty="0"/>
